--- a/chat-bot-OK_Presentation.pptx
+++ b/chat-bot-OK_Presentation.pptx
@@ -11,7 +11,8 @@
     <p:sldId id="260" r:id="rId5"/>
     <p:sldId id="261" r:id="rId6"/>
     <p:sldId id="262" r:id="rId7"/>
-    <p:sldId id="263" r:id="rId8"/>
+    <p:sldId id="264" r:id="rId8"/>
+    <p:sldId id="263" r:id="rId9"/>
   </p:sldIdLst>
   <p:sldSz cx="12192000" cy="6858000"/>
   <p:notesSz cx="6858000" cy="9144000"/>
@@ -116,6 +117,15 @@
     </p:ext>
   </p:extLst>
 </p:presentation>
+</file>
+
+<file path=ppt/revisionInfo.xml><?xml version="1.0" encoding="utf-8"?>
+<p1510:revInfo xmlns:a="http://schemas.openxmlformats.org/drawingml/2006/main" xmlns:r="http://schemas.openxmlformats.org/officeDocument/2006/relationships" xmlns:p1510="http://schemas.microsoft.com/office/powerpoint/2015/10/main">
+  <p1510:revLst>
+    <p1510:client id="{B1E54C49-5E61-2441-6D96-45198128F70E}" v="145" dt="2021-03-01T07:30:20.024"/>
+    <p1510:client id="{EC2F5B6E-C546-4465-A6D6-7D4F2EEB75FA}" v="100" dt="2021-03-01T08:01:20.387"/>
+  </p1510:revLst>
+</p1510:revInfo>
 </file>
 
 <file path=ppt/diagrams/colors1.xml><?xml version="1.0" encoding="utf-8"?>
@@ -3715,7 +3725,7 @@
       </dgm:t>
     </dgm:pt>
     <dgm:pt modelId="{0199E61B-D645-44FD-B2FC-0496F1005961}">
-      <dgm:prSet/>
+      <dgm:prSet phldr="0"/>
       <dgm:spPr/>
       <dgm:t>
         <a:bodyPr/>
@@ -3723,10 +3733,12 @@
         <a:p>
           <a:pPr rtl="0"/>
           <a:r>
-            <a:rPr lang="bg-BG" dirty="0"/>
-            <a:t>Главната цел на нашия проект е да забавлява;</a:t>
+            <a:rPr lang="bg-BG" dirty="0">
+              <a:latin typeface="Bookman Old Style" panose="02050604050505020204"/>
+            </a:rPr>
+            <a:t>Целта ни е да забаляваме аудиторията</a:t>
           </a:r>
-          <a:endParaRPr lang="en-GB" dirty="0"/>
+          <a:endParaRPr lang="bg-BG" dirty="0"/>
         </a:p>
       </dgm:t>
     </dgm:pt>
@@ -3782,7 +3794,7 @@
   <dgm:whole/>
   <dgm:extLst>
     <a:ext uri="http://schemas.microsoft.com/office/drawing/2008/diagram">
-      <dsp:dataModelExt xmlns:dsp="http://schemas.microsoft.com/office/drawing/2008/diagram" relId="rId6" minVer="http://schemas.openxmlformats.org/drawingml/2006/diagram"/>
+      <dsp:dataModelExt xmlns:dsp="http://schemas.microsoft.com/office/drawing/2008/diagram" relId="rId8" minVer="http://schemas.openxmlformats.org/drawingml/2006/diagram"/>
     </a:ext>
   </dgm:extLst>
 </dgm:dataModel>
@@ -3811,10 +3823,10 @@
         <a:p>
           <a:pPr rtl="0"/>
           <a:r>
-            <a:rPr lang="bg-BG"/>
+            <a:rPr lang="bg-BG" dirty="0"/>
             <a:t>Време</a:t>
           </a:r>
-          <a:endParaRPr lang="en-GB"/>
+          <a:endParaRPr lang="en-GB" dirty="0"/>
         </a:p>
       </dgm:t>
     </dgm:pt>
@@ -3878,44 +3890,6 @@
         </a:p>
       </dgm:t>
     </dgm:pt>
-    <dgm:pt modelId="{69CC2C03-593C-466F-A421-179A5A440663}">
-      <dgm:prSet/>
-      <dgm:spPr/>
-      <dgm:t>
-        <a:bodyPr/>
-        <a:lstStyle/>
-        <a:p>
-          <a:pPr rtl="0"/>
-          <a:r>
-            <a:rPr lang="bg-BG"/>
-            <a:t>Ниско ниво на умения</a:t>
-          </a:r>
-          <a:endParaRPr lang="en-GB"/>
-        </a:p>
-      </dgm:t>
-    </dgm:pt>
-    <dgm:pt modelId="{B852101B-6374-4E78-967E-92503EF6675F}" type="parTrans" cxnId="{6021AE45-2367-48E4-857C-CA17AF1F51F8}">
-      <dgm:prSet/>
-      <dgm:spPr/>
-      <dgm:t>
-        <a:bodyPr/>
-        <a:lstStyle/>
-        <a:p>
-          <a:endParaRPr lang="en-US"/>
-        </a:p>
-      </dgm:t>
-    </dgm:pt>
-    <dgm:pt modelId="{3783C0A6-E104-4126-90E2-888C2CD53A4C}" type="sibTrans" cxnId="{6021AE45-2367-48E4-857C-CA17AF1F51F8}">
-      <dgm:prSet/>
-      <dgm:spPr/>
-      <dgm:t>
-        <a:bodyPr/>
-        <a:lstStyle/>
-        <a:p>
-          <a:endParaRPr lang="en-US"/>
-        </a:p>
-      </dgm:t>
-    </dgm:pt>
     <dgm:pt modelId="{D0024532-327C-49A7-A1CD-A255AEBE3ADD}" type="pres">
       <dgm:prSet presAssocID="{36FDD859-CECF-4EC1-B21B-5FF8862198DC}" presName="Name0" presStyleCnt="0">
         <dgm:presLayoutVars>
@@ -3926,7 +3900,7 @@
       <dgm:spPr/>
     </dgm:pt>
     <dgm:pt modelId="{69CA3643-53A5-45E1-BFE2-C2AB75C1D7AE}" type="pres">
-      <dgm:prSet presAssocID="{0A48FA5B-EEDD-4F24-B599-1E595A220959}" presName="node" presStyleLbl="node1" presStyleIdx="0" presStyleCnt="3">
+      <dgm:prSet presAssocID="{0A48FA5B-EEDD-4F24-B599-1E595A220959}" presName="node" presStyleLbl="node1" presStyleIdx="0" presStyleCnt="2">
         <dgm:presLayoutVars>
           <dgm:bulletEnabled val="1"/>
         </dgm:presLayoutVars>
@@ -3934,31 +3908,15 @@
       <dgm:spPr/>
     </dgm:pt>
     <dgm:pt modelId="{4A94D002-4B7F-4483-AA16-68EB931EF166}" type="pres">
-      <dgm:prSet presAssocID="{8FE99A73-DA30-46A6-A319-72345C900ED0}" presName="sibTrans" presStyleLbl="sibTrans2D1" presStyleIdx="0" presStyleCnt="2"/>
+      <dgm:prSet presAssocID="{8FE99A73-DA30-46A6-A319-72345C900ED0}" presName="sibTrans" presStyleLbl="sibTrans2D1" presStyleIdx="0" presStyleCnt="1"/>
       <dgm:spPr/>
     </dgm:pt>
     <dgm:pt modelId="{CAF0B342-EED2-4C02-97E9-353085476040}" type="pres">
-      <dgm:prSet presAssocID="{8FE99A73-DA30-46A6-A319-72345C900ED0}" presName="connectorText" presStyleLbl="sibTrans2D1" presStyleIdx="0" presStyleCnt="2"/>
+      <dgm:prSet presAssocID="{8FE99A73-DA30-46A6-A319-72345C900ED0}" presName="connectorText" presStyleLbl="sibTrans2D1" presStyleIdx="0" presStyleCnt="1"/>
       <dgm:spPr/>
     </dgm:pt>
     <dgm:pt modelId="{A88982FC-D4A9-42CC-B34B-1709EE90EFB4}" type="pres">
-      <dgm:prSet presAssocID="{F3A46340-239D-4112-9187-7429E0949323}" presName="node" presStyleLbl="node1" presStyleIdx="1" presStyleCnt="3">
-        <dgm:presLayoutVars>
-          <dgm:bulletEnabled val="1"/>
-        </dgm:presLayoutVars>
-      </dgm:prSet>
-      <dgm:spPr/>
-    </dgm:pt>
-    <dgm:pt modelId="{5D3D8EB6-E3D0-4229-A558-04CC5A1523D2}" type="pres">
-      <dgm:prSet presAssocID="{7F38A1FF-BDD0-49B9-AAB4-4868C157C34F}" presName="sibTrans" presStyleLbl="sibTrans2D1" presStyleIdx="1" presStyleCnt="2"/>
-      <dgm:spPr/>
-    </dgm:pt>
-    <dgm:pt modelId="{91A2F564-5F39-44B4-991F-92ECFBD13289}" type="pres">
-      <dgm:prSet presAssocID="{7F38A1FF-BDD0-49B9-AAB4-4868C157C34F}" presName="connectorText" presStyleLbl="sibTrans2D1" presStyleIdx="1" presStyleCnt="2"/>
-      <dgm:spPr/>
-    </dgm:pt>
-    <dgm:pt modelId="{8D6082CB-9218-4AF3-8504-2B0A3B664EB0}" type="pres">
-      <dgm:prSet presAssocID="{69CC2C03-593C-466F-A421-179A5A440663}" presName="node" presStyleLbl="node1" presStyleIdx="2" presStyleCnt="3">
+      <dgm:prSet presAssocID="{F3A46340-239D-4112-9187-7429E0949323}" presName="node" presStyleLbl="node1" presStyleIdx="1" presStyleCnt="2">
         <dgm:presLayoutVars>
           <dgm:bulletEnabled val="1"/>
         </dgm:presLayoutVars>
@@ -3969,28 +3927,21 @@
   <dgm:cxnLst>
     <dgm:cxn modelId="{FD925816-1FF8-4ABC-B185-7D8A10537E4F}" type="presOf" srcId="{36FDD859-CECF-4EC1-B21B-5FF8862198DC}" destId="{D0024532-327C-49A7-A1CD-A255AEBE3ADD}" srcOrd="0" destOrd="0" presId="urn:microsoft.com/office/officeart/2005/8/layout/process1"/>
     <dgm:cxn modelId="{7081B55C-C9C1-488E-A833-7A7784923FC5}" type="presOf" srcId="{8FE99A73-DA30-46A6-A319-72345C900ED0}" destId="{CAF0B342-EED2-4C02-97E9-353085476040}" srcOrd="1" destOrd="0" presId="urn:microsoft.com/office/officeart/2005/8/layout/process1"/>
-    <dgm:cxn modelId="{6021AE45-2367-48E4-857C-CA17AF1F51F8}" srcId="{36FDD859-CECF-4EC1-B21B-5FF8862198DC}" destId="{69CC2C03-593C-466F-A421-179A5A440663}" srcOrd="2" destOrd="0" parTransId="{B852101B-6374-4E78-967E-92503EF6675F}" sibTransId="{3783C0A6-E104-4126-90E2-888C2CD53A4C}"/>
     <dgm:cxn modelId="{74E62F6A-2DE3-441E-B45D-4941B6456094}" srcId="{36FDD859-CECF-4EC1-B21B-5FF8862198DC}" destId="{0A48FA5B-EEDD-4F24-B599-1E595A220959}" srcOrd="0" destOrd="0" parTransId="{BFC58BB3-2F5A-4874-9A0E-EB104A219363}" sibTransId="{8FE99A73-DA30-46A6-A319-72345C900ED0}"/>
-    <dgm:cxn modelId="{02A0D772-177B-4422-A138-9192F4EDD52D}" type="presOf" srcId="{7F38A1FF-BDD0-49B9-AAB4-4868C157C34F}" destId="{91A2F564-5F39-44B4-991F-92ECFBD13289}" srcOrd="1" destOrd="0" presId="urn:microsoft.com/office/officeart/2005/8/layout/process1"/>
-    <dgm:cxn modelId="{D2968F5A-4631-4D23-AFC5-567D8F50150E}" type="presOf" srcId="{69CC2C03-593C-466F-A421-179A5A440663}" destId="{8D6082CB-9218-4AF3-8504-2B0A3B664EB0}" srcOrd="0" destOrd="0" presId="urn:microsoft.com/office/officeart/2005/8/layout/process1"/>
     <dgm:cxn modelId="{7A060992-55AD-4AB0-B426-56EF19EFE03B}" type="presOf" srcId="{F3A46340-239D-4112-9187-7429E0949323}" destId="{A88982FC-D4A9-42CC-B34B-1709EE90EFB4}" srcOrd="0" destOrd="0" presId="urn:microsoft.com/office/officeart/2005/8/layout/process1"/>
     <dgm:cxn modelId="{3087889A-1BF9-4298-8394-EAF9D6EDA66C}" type="presOf" srcId="{0A48FA5B-EEDD-4F24-B599-1E595A220959}" destId="{69CA3643-53A5-45E1-BFE2-C2AB75C1D7AE}" srcOrd="0" destOrd="0" presId="urn:microsoft.com/office/officeart/2005/8/layout/process1"/>
-    <dgm:cxn modelId="{8F15B4D1-8DEA-449F-9FEC-8A612A36DF29}" type="presOf" srcId="{7F38A1FF-BDD0-49B9-AAB4-4868C157C34F}" destId="{5D3D8EB6-E3D0-4229-A558-04CC5A1523D2}" srcOrd="0" destOrd="0" presId="urn:microsoft.com/office/officeart/2005/8/layout/process1"/>
     <dgm:cxn modelId="{DCF391D9-94B5-4A97-A34C-A0A7BAA59B07}" type="presOf" srcId="{8FE99A73-DA30-46A6-A319-72345C900ED0}" destId="{4A94D002-4B7F-4483-AA16-68EB931EF166}" srcOrd="0" destOrd="0" presId="urn:microsoft.com/office/officeart/2005/8/layout/process1"/>
     <dgm:cxn modelId="{884319DE-43F8-4970-BE0B-9310625114DF}" srcId="{36FDD859-CECF-4EC1-B21B-5FF8862198DC}" destId="{F3A46340-239D-4112-9187-7429E0949323}" srcOrd="1" destOrd="0" parTransId="{90F4B799-251B-4BA0-9198-4EA1702ACF34}" sibTransId="{7F38A1FF-BDD0-49B9-AAB4-4868C157C34F}"/>
     <dgm:cxn modelId="{96BCB096-778F-4FBE-951E-F7597713E15A}" type="presParOf" srcId="{D0024532-327C-49A7-A1CD-A255AEBE3ADD}" destId="{69CA3643-53A5-45E1-BFE2-C2AB75C1D7AE}" srcOrd="0" destOrd="0" presId="urn:microsoft.com/office/officeart/2005/8/layout/process1"/>
     <dgm:cxn modelId="{4B16431B-5830-4665-9BCC-23807A7B5462}" type="presParOf" srcId="{D0024532-327C-49A7-A1CD-A255AEBE3ADD}" destId="{4A94D002-4B7F-4483-AA16-68EB931EF166}" srcOrd="1" destOrd="0" presId="urn:microsoft.com/office/officeart/2005/8/layout/process1"/>
     <dgm:cxn modelId="{3ED0E5BE-4D78-41C2-A674-72C4F25E8A22}" type="presParOf" srcId="{4A94D002-4B7F-4483-AA16-68EB931EF166}" destId="{CAF0B342-EED2-4C02-97E9-353085476040}" srcOrd="0" destOrd="0" presId="urn:microsoft.com/office/officeart/2005/8/layout/process1"/>
     <dgm:cxn modelId="{ECAE18C7-7EE8-4D07-8F60-C6B74923031B}" type="presParOf" srcId="{D0024532-327C-49A7-A1CD-A255AEBE3ADD}" destId="{A88982FC-D4A9-42CC-B34B-1709EE90EFB4}" srcOrd="2" destOrd="0" presId="urn:microsoft.com/office/officeart/2005/8/layout/process1"/>
-    <dgm:cxn modelId="{5A2BA09B-764A-4C72-9B49-72AE265F7537}" type="presParOf" srcId="{D0024532-327C-49A7-A1CD-A255AEBE3ADD}" destId="{5D3D8EB6-E3D0-4229-A558-04CC5A1523D2}" srcOrd="3" destOrd="0" presId="urn:microsoft.com/office/officeart/2005/8/layout/process1"/>
-    <dgm:cxn modelId="{2EEEF04D-B764-4648-802D-116C172D6F6D}" type="presParOf" srcId="{5D3D8EB6-E3D0-4229-A558-04CC5A1523D2}" destId="{91A2F564-5F39-44B4-991F-92ECFBD13289}" srcOrd="0" destOrd="0" presId="urn:microsoft.com/office/officeart/2005/8/layout/process1"/>
-    <dgm:cxn modelId="{BBE71391-3D39-48AA-B8D6-0E2B595EA52B}" type="presParOf" srcId="{D0024532-327C-49A7-A1CD-A255AEBE3ADD}" destId="{8D6082CB-9218-4AF3-8504-2B0A3B664EB0}" srcOrd="4" destOrd="0" presId="urn:microsoft.com/office/officeart/2005/8/layout/process1"/>
   </dgm:cxnLst>
   <dgm:bg/>
   <dgm:whole/>
   <dgm:extLst>
     <a:ext uri="http://schemas.microsoft.com/office/drawing/2008/diagram">
-      <dsp:dataModelExt xmlns:dsp="http://schemas.microsoft.com/office/drawing/2008/diagram" relId="rId6" minVer="http://schemas.openxmlformats.org/drawingml/2006/diagram"/>
+      <dsp:dataModelExt xmlns:dsp="http://schemas.microsoft.com/office/drawing/2008/diagram" relId="rId8" minVer="http://schemas.openxmlformats.org/drawingml/2006/diagram"/>
     </a:ext>
   </dgm:extLst>
 </dgm:dataModel>
@@ -4283,7 +4234,7 @@
   <dgm:whole/>
   <dgm:extLst>
     <a:ext uri="http://schemas.microsoft.com/office/drawing/2008/diagram">
-      <dsp:dataModelExt xmlns:dsp="http://schemas.microsoft.com/office/drawing/2008/diagram" relId="rId6" minVer="http://schemas.openxmlformats.org/drawingml/2006/diagram"/>
+      <dsp:dataModelExt xmlns:dsp="http://schemas.microsoft.com/office/drawing/2008/diagram" relId="rId8" minVer="http://schemas.openxmlformats.org/drawingml/2006/diagram"/>
     </a:ext>
   </dgm:extLst>
 </dgm:dataModel>
@@ -5467,12 +5418,12 @@
         </a:fontRef>
       </dsp:style>
       <dsp:txBody>
-        <a:bodyPr spcFirstLastPara="0" vert="horz" wrap="square" lIns="82550" tIns="82550" rIns="82550" bIns="82550" numCol="1" spcCol="1270" anchor="ctr" anchorCtr="0">
+        <a:bodyPr spcFirstLastPara="0" vert="horz" wrap="square" lIns="78740" tIns="78740" rIns="78740" bIns="78740" numCol="1" spcCol="1270" anchor="ctr" anchorCtr="0">
           <a:noAutofit/>
         </a:bodyPr>
         <a:lstStyle/>
         <a:p>
-          <a:pPr marL="0" lvl="0" indent="0" algn="ctr" defTabSz="2889250" rtl="0">
+          <a:pPr marL="0" lvl="0" indent="0" algn="ctr" defTabSz="2755900" rtl="0">
             <a:lnSpc>
               <a:spcPct val="90000"/>
             </a:lnSpc>
@@ -5485,10 +5436,12 @@
             <a:buNone/>
           </a:pPr>
           <a:r>
-            <a:rPr lang="bg-BG" sz="6500" kern="1200" dirty="0"/>
-            <a:t>Главната цел на нашия проект е да забавлява;</a:t>
+            <a:rPr lang="bg-BG" sz="6200" kern="1200" dirty="0">
+              <a:latin typeface="Bookman Old Style" panose="02050604050505020204"/>
+            </a:rPr>
+            <a:t>Целта ни е да забаляваме аудиторията</a:t>
           </a:r>
-          <a:endParaRPr lang="en-GB" sz="6500" kern="1200" dirty="0"/>
+          <a:endParaRPr lang="bg-BG" sz="6200" kern="1200" dirty="0"/>
         </a:p>
       </dsp:txBody>
       <dsp:txXfrm>
@@ -5515,8 +5468,8 @@
       </dsp:nvSpPr>
       <dsp:spPr>
         <a:xfrm>
-          <a:off x="9099" y="1031891"/>
-          <a:ext cx="2719861" cy="1631917"/>
+          <a:off x="2022" y="554146"/>
+          <a:ext cx="4312346" cy="2587407"/>
         </a:xfrm>
         <a:prstGeom prst="roundRect">
           <a:avLst>
@@ -5595,12 +5548,12 @@
         </a:fontRef>
       </dsp:style>
       <dsp:txBody>
-        <a:bodyPr spcFirstLastPara="0" vert="horz" wrap="square" lIns="95250" tIns="95250" rIns="95250" bIns="95250" numCol="1" spcCol="1270" anchor="ctr" anchorCtr="0">
+        <a:bodyPr spcFirstLastPara="0" vert="horz" wrap="square" lIns="152400" tIns="152400" rIns="152400" bIns="152400" numCol="1" spcCol="1270" anchor="ctr" anchorCtr="0">
           <a:noAutofit/>
         </a:bodyPr>
         <a:lstStyle/>
         <a:p>
-          <a:pPr marL="0" lvl="0" indent="0" algn="ctr" defTabSz="1111250" rtl="0">
+          <a:pPr marL="0" lvl="0" indent="0" algn="ctr" defTabSz="1778000" rtl="0">
             <a:lnSpc>
               <a:spcPct val="90000"/>
             </a:lnSpc>
@@ -5613,15 +5566,15 @@
             <a:buNone/>
           </a:pPr>
           <a:r>
-            <a:rPr lang="bg-BG" sz="2500" kern="1200"/>
+            <a:rPr lang="bg-BG" sz="4000" kern="1200" dirty="0"/>
             <a:t>Време</a:t>
           </a:r>
-          <a:endParaRPr lang="en-GB" sz="2500" kern="1200"/>
+          <a:endParaRPr lang="en-GB" sz="4000" kern="1200" dirty="0"/>
         </a:p>
       </dsp:txBody>
       <dsp:txXfrm>
-        <a:off x="56896" y="1079688"/>
-        <a:ext cx="2624267" cy="1536323"/>
+        <a:off x="77805" y="629929"/>
+        <a:ext cx="4160780" cy="2435841"/>
       </dsp:txXfrm>
     </dsp:sp>
     <dsp:sp modelId="{4A94D002-4B7F-4483-AA16-68EB931EF166}">
@@ -5631,8 +5584,8 @@
       </dsp:nvSpPr>
       <dsp:spPr>
         <a:xfrm>
-          <a:off x="3000947" y="1510587"/>
-          <a:ext cx="576610" cy="674525"/>
+          <a:off x="4745602" y="1313119"/>
+          <a:ext cx="914217" cy="1069461"/>
         </a:xfrm>
         <a:prstGeom prst="rightArrow">
           <a:avLst>
@@ -5720,7 +5673,7 @@
         </a:bodyPr>
         <a:lstStyle/>
         <a:p>
-          <a:pPr marL="0" lvl="0" indent="0" algn="ctr" defTabSz="889000">
+          <a:pPr marL="0" lvl="0" indent="0" algn="ctr" defTabSz="1422400">
             <a:lnSpc>
               <a:spcPct val="90000"/>
             </a:lnSpc>
@@ -5732,12 +5685,12 @@
             </a:spcAft>
             <a:buNone/>
           </a:pPr>
-          <a:endParaRPr lang="en-US" sz="2000" kern="1200"/>
+          <a:endParaRPr lang="en-US" sz="3200" kern="1200"/>
         </a:p>
       </dsp:txBody>
       <dsp:txXfrm>
-        <a:off x="3000947" y="1645492"/>
-        <a:ext cx="403627" cy="404715"/>
+        <a:off x="4745602" y="1527011"/>
+        <a:ext cx="639952" cy="641677"/>
       </dsp:txXfrm>
     </dsp:sp>
     <dsp:sp modelId="{A88982FC-D4A9-42CC-B34B-1709EE90EFB4}">
@@ -5747,8 +5700,8 @@
       </dsp:nvSpPr>
       <dsp:spPr>
         <a:xfrm>
-          <a:off x="3816906" y="1031891"/>
-          <a:ext cx="2719861" cy="1631917"/>
+          <a:off x="6039306" y="554146"/>
+          <a:ext cx="4312346" cy="2587407"/>
         </a:xfrm>
         <a:prstGeom prst="roundRect">
           <a:avLst>
@@ -5827,12 +5780,12 @@
         </a:fontRef>
       </dsp:style>
       <dsp:txBody>
-        <a:bodyPr spcFirstLastPara="0" vert="horz" wrap="square" lIns="95250" tIns="95250" rIns="95250" bIns="95250" numCol="1" spcCol="1270" anchor="ctr" anchorCtr="0">
+        <a:bodyPr spcFirstLastPara="0" vert="horz" wrap="square" lIns="152400" tIns="152400" rIns="152400" bIns="152400" numCol="1" spcCol="1270" anchor="ctr" anchorCtr="0">
           <a:noAutofit/>
         </a:bodyPr>
         <a:lstStyle/>
         <a:p>
-          <a:pPr marL="0" lvl="0" indent="0" algn="ctr" defTabSz="1111250" rtl="0">
+          <a:pPr marL="0" lvl="0" indent="0" algn="ctr" defTabSz="1778000" rtl="0">
             <a:lnSpc>
               <a:spcPct val="90000"/>
             </a:lnSpc>
@@ -5845,247 +5798,15 @@
             <a:buNone/>
           </a:pPr>
           <a:r>
-            <a:rPr lang="bg-BG" sz="2500" kern="1200" dirty="0"/>
+            <a:rPr lang="bg-BG" sz="4000" kern="1200" dirty="0"/>
             <a:t>Дисорганизация</a:t>
           </a:r>
-          <a:endParaRPr lang="en-GB" sz="2500" kern="1200" dirty="0"/>
+          <a:endParaRPr lang="en-GB" sz="4000" kern="1200" dirty="0"/>
         </a:p>
       </dsp:txBody>
       <dsp:txXfrm>
-        <a:off x="3864703" y="1079688"/>
-        <a:ext cx="2624267" cy="1536323"/>
-      </dsp:txXfrm>
-    </dsp:sp>
-    <dsp:sp modelId="{5D3D8EB6-E3D0-4229-A558-04CC5A1523D2}">
-      <dsp:nvSpPr>
-        <dsp:cNvPr id="0" name=""/>
-        <dsp:cNvSpPr/>
-      </dsp:nvSpPr>
-      <dsp:spPr>
-        <a:xfrm>
-          <a:off x="6808754" y="1510587"/>
-          <a:ext cx="576610" cy="674525"/>
-        </a:xfrm>
-        <a:prstGeom prst="rightArrow">
-          <a:avLst>
-            <a:gd name="adj1" fmla="val 60000"/>
-            <a:gd name="adj2" fmla="val 50000"/>
-          </a:avLst>
-        </a:prstGeom>
-        <a:gradFill rotWithShape="0">
-          <a:gsLst>
-            <a:gs pos="0">
-              <a:schemeClr val="dk2">
-                <a:tint val="60000"/>
-                <a:hueOff val="0"/>
-                <a:satOff val="0"/>
-                <a:lumOff val="0"/>
-                <a:alphaOff val="0"/>
-                <a:tint val="94000"/>
-                <a:satMod val="100000"/>
-                <a:lumMod val="104000"/>
-              </a:schemeClr>
-            </a:gs>
-            <a:gs pos="69000">
-              <a:schemeClr val="dk2">
-                <a:tint val="60000"/>
-                <a:hueOff val="0"/>
-                <a:satOff val="0"/>
-                <a:lumOff val="0"/>
-                <a:alphaOff val="0"/>
-                <a:shade val="86000"/>
-                <a:satMod val="130000"/>
-                <a:lumMod val="102000"/>
-              </a:schemeClr>
-            </a:gs>
-            <a:gs pos="100000">
-              <a:schemeClr val="dk2">
-                <a:tint val="60000"/>
-                <a:hueOff val="0"/>
-                <a:satOff val="0"/>
-                <a:lumOff val="0"/>
-                <a:alphaOff val="0"/>
-                <a:shade val="72000"/>
-                <a:satMod val="130000"/>
-                <a:lumMod val="100000"/>
-              </a:schemeClr>
-            </a:gs>
-          </a:gsLst>
-          <a:lin ang="5400000" scaled="0"/>
-        </a:gradFill>
-        <a:ln>
-          <a:noFill/>
-        </a:ln>
-        <a:effectLst>
-          <a:outerShdw blurRad="50800" dist="38100" dir="5400000" sy="96000" rotWithShape="0">
-            <a:srgbClr val="000000">
-              <a:alpha val="54000"/>
-            </a:srgbClr>
-          </a:outerShdw>
-        </a:effectLst>
-        <a:scene3d>
-          <a:camera prst="orthographicFront"/>
-          <a:lightRig rig="flat" dir="t"/>
-        </a:scene3d>
-        <a:sp3d z="-80000" prstMaterial="plastic">
-          <a:bevelT w="50800" h="50800"/>
-          <a:bevelB w="25400" h="25400" prst="angle"/>
-        </a:sp3d>
-      </dsp:spPr>
-      <dsp:style>
-        <a:lnRef idx="0">
-          <a:scrgbClr r="0" g="0" b="0"/>
-        </a:lnRef>
-        <a:fillRef idx="3">
-          <a:scrgbClr r="0" g="0" b="0"/>
-        </a:fillRef>
-        <a:effectRef idx="2">
-          <a:scrgbClr r="0" g="0" b="0"/>
-        </a:effectRef>
-        <a:fontRef idx="minor">
-          <a:schemeClr val="lt1"/>
-        </a:fontRef>
-      </dsp:style>
-      <dsp:txBody>
-        <a:bodyPr spcFirstLastPara="0" vert="horz" wrap="square" lIns="0" tIns="0" rIns="0" bIns="0" numCol="1" spcCol="1270" anchor="ctr" anchorCtr="0">
-          <a:noAutofit/>
-        </a:bodyPr>
-        <a:lstStyle/>
-        <a:p>
-          <a:pPr marL="0" lvl="0" indent="0" algn="ctr" defTabSz="889000">
-            <a:lnSpc>
-              <a:spcPct val="90000"/>
-            </a:lnSpc>
-            <a:spcBef>
-              <a:spcPct val="0"/>
-            </a:spcBef>
-            <a:spcAft>
-              <a:spcPct val="35000"/>
-            </a:spcAft>
-            <a:buNone/>
-          </a:pPr>
-          <a:endParaRPr lang="en-US" sz="2000" kern="1200"/>
-        </a:p>
-      </dsp:txBody>
-      <dsp:txXfrm>
-        <a:off x="6808754" y="1645492"/>
-        <a:ext cx="403627" cy="404715"/>
-      </dsp:txXfrm>
-    </dsp:sp>
-    <dsp:sp modelId="{8D6082CB-9218-4AF3-8504-2B0A3B664EB0}">
-      <dsp:nvSpPr>
-        <dsp:cNvPr id="0" name=""/>
-        <dsp:cNvSpPr/>
-      </dsp:nvSpPr>
-      <dsp:spPr>
-        <a:xfrm>
-          <a:off x="7624713" y="1031891"/>
-          <a:ext cx="2719861" cy="1631917"/>
-        </a:xfrm>
-        <a:prstGeom prst="roundRect">
-          <a:avLst>
-            <a:gd name="adj" fmla="val 10000"/>
-          </a:avLst>
-        </a:prstGeom>
-        <a:gradFill rotWithShape="0">
-          <a:gsLst>
-            <a:gs pos="0">
-              <a:schemeClr val="dk2">
-                <a:hueOff val="0"/>
-                <a:satOff val="0"/>
-                <a:lumOff val="0"/>
-                <a:alphaOff val="0"/>
-                <a:tint val="94000"/>
-                <a:satMod val="100000"/>
-                <a:lumMod val="104000"/>
-              </a:schemeClr>
-            </a:gs>
-            <a:gs pos="69000">
-              <a:schemeClr val="dk2">
-                <a:hueOff val="0"/>
-                <a:satOff val="0"/>
-                <a:lumOff val="0"/>
-                <a:alphaOff val="0"/>
-                <a:shade val="86000"/>
-                <a:satMod val="130000"/>
-                <a:lumMod val="102000"/>
-              </a:schemeClr>
-            </a:gs>
-            <a:gs pos="100000">
-              <a:schemeClr val="dk2">
-                <a:hueOff val="0"/>
-                <a:satOff val="0"/>
-                <a:lumOff val="0"/>
-                <a:alphaOff val="0"/>
-                <a:shade val="72000"/>
-                <a:satMod val="130000"/>
-                <a:lumMod val="100000"/>
-              </a:schemeClr>
-            </a:gs>
-          </a:gsLst>
-          <a:lin ang="5400000" scaled="0"/>
-        </a:gradFill>
-        <a:ln>
-          <a:noFill/>
-        </a:ln>
-        <a:effectLst>
-          <a:outerShdw blurRad="50800" dist="38100" dir="5400000" sy="96000" rotWithShape="0">
-            <a:srgbClr val="000000">
-              <a:alpha val="54000"/>
-            </a:srgbClr>
-          </a:outerShdw>
-        </a:effectLst>
-        <a:scene3d>
-          <a:camera prst="orthographicFront"/>
-          <a:lightRig rig="flat" dir="t"/>
-        </a:scene3d>
-        <a:sp3d prstMaterial="plastic">
-          <a:bevelT w="120900" h="88900"/>
-          <a:bevelB w="88900" h="31750" prst="angle"/>
-        </a:sp3d>
-      </dsp:spPr>
-      <dsp:style>
-        <a:lnRef idx="0">
-          <a:scrgbClr r="0" g="0" b="0"/>
-        </a:lnRef>
-        <a:fillRef idx="3">
-          <a:scrgbClr r="0" g="0" b="0"/>
-        </a:fillRef>
-        <a:effectRef idx="2">
-          <a:scrgbClr r="0" g="0" b="0"/>
-        </a:effectRef>
-        <a:fontRef idx="minor">
-          <a:schemeClr val="lt1"/>
-        </a:fontRef>
-      </dsp:style>
-      <dsp:txBody>
-        <a:bodyPr spcFirstLastPara="0" vert="horz" wrap="square" lIns="95250" tIns="95250" rIns="95250" bIns="95250" numCol="1" spcCol="1270" anchor="ctr" anchorCtr="0">
-          <a:noAutofit/>
-        </a:bodyPr>
-        <a:lstStyle/>
-        <a:p>
-          <a:pPr marL="0" lvl="0" indent="0" algn="ctr" defTabSz="1111250" rtl="0">
-            <a:lnSpc>
-              <a:spcPct val="90000"/>
-            </a:lnSpc>
-            <a:spcBef>
-              <a:spcPct val="0"/>
-            </a:spcBef>
-            <a:spcAft>
-              <a:spcPct val="35000"/>
-            </a:spcAft>
-            <a:buNone/>
-          </a:pPr>
-          <a:r>
-            <a:rPr lang="bg-BG" sz="2500" kern="1200"/>
-            <a:t>Ниско ниво на умения</a:t>
-          </a:r>
-          <a:endParaRPr lang="en-GB" sz="2500" kern="1200"/>
-        </a:p>
-      </dsp:txBody>
-      <dsp:txXfrm>
-        <a:off x="7672510" y="1079688"/>
-        <a:ext cx="2624267" cy="1536323"/>
+        <a:off x="6115089" y="629929"/>
+        <a:ext cx="4160780" cy="2435841"/>
       </dsp:txXfrm>
     </dsp:sp>
   </dsp:spTree>
@@ -11912,7 +11633,7 @@
           <a:p>
             <a:fld id="{9DEDDB69-8711-4799-BC8C-20796FEFCF37}" type="datetimeFigureOut">
               <a:rPr lang="en-GB" smtClean="0"/>
-              <a:t>28/02/2021</a:t>
+              <a:t>01/03/2021</a:t>
             </a:fld>
             <a:endParaRPr lang="en-GB"/>
           </a:p>
@@ -12199,7 +11920,7 @@
           <a:p>
             <a:fld id="{9DEDDB69-8711-4799-BC8C-20796FEFCF37}" type="datetimeFigureOut">
               <a:rPr lang="en-GB" smtClean="0"/>
-              <a:t>28/02/2021</a:t>
+              <a:t>01/03/2021</a:t>
             </a:fld>
             <a:endParaRPr lang="en-GB"/>
           </a:p>
@@ -12391,7 +12112,7 @@
           <a:p>
             <a:fld id="{9DEDDB69-8711-4799-BC8C-20796FEFCF37}" type="datetimeFigureOut">
               <a:rPr lang="en-GB" smtClean="0"/>
-              <a:t>28/02/2021</a:t>
+              <a:t>01/03/2021</a:t>
             </a:fld>
             <a:endParaRPr lang="en-GB"/>
           </a:p>
@@ -12652,7 +12373,7 @@
           <a:p>
             <a:fld id="{9DEDDB69-8711-4799-BC8C-20796FEFCF37}" type="datetimeFigureOut">
               <a:rPr lang="en-GB" smtClean="0"/>
-              <a:t>28/02/2021</a:t>
+              <a:t>01/03/2021</a:t>
             </a:fld>
             <a:endParaRPr lang="en-GB"/>
           </a:p>
@@ -13076,7 +12797,7 @@
           <a:p>
             <a:fld id="{9DEDDB69-8711-4799-BC8C-20796FEFCF37}" type="datetimeFigureOut">
               <a:rPr lang="en-GB" smtClean="0"/>
-              <a:t>28/02/2021</a:t>
+              <a:t>01/03/2021</a:t>
             </a:fld>
             <a:endParaRPr lang="en-GB"/>
           </a:p>
@@ -13622,7 +13343,7 @@
           <a:p>
             <a:fld id="{9DEDDB69-8711-4799-BC8C-20796FEFCF37}" type="datetimeFigureOut">
               <a:rPr lang="en-GB" smtClean="0"/>
-              <a:t>28/02/2021</a:t>
+              <a:t>01/03/2021</a:t>
             </a:fld>
             <a:endParaRPr lang="en-GB"/>
           </a:p>
@@ -14462,7 +14183,7 @@
           <a:p>
             <a:fld id="{9DEDDB69-8711-4799-BC8C-20796FEFCF37}" type="datetimeFigureOut">
               <a:rPr lang="en-GB" smtClean="0"/>
-              <a:t>28/02/2021</a:t>
+              <a:t>01/03/2021</a:t>
             </a:fld>
             <a:endParaRPr lang="en-GB"/>
           </a:p>
@@ -14632,7 +14353,7 @@
           <a:p>
             <a:fld id="{9DEDDB69-8711-4799-BC8C-20796FEFCF37}" type="datetimeFigureOut">
               <a:rPr lang="en-GB" smtClean="0"/>
-              <a:t>28/02/2021</a:t>
+              <a:t>01/03/2021</a:t>
             </a:fld>
             <a:endParaRPr lang="en-GB"/>
           </a:p>
@@ -14816,7 +14537,7 @@
           <a:p>
             <a:fld id="{9DEDDB69-8711-4799-BC8C-20796FEFCF37}" type="datetimeFigureOut">
               <a:rPr lang="en-GB" smtClean="0"/>
-              <a:t>28/02/2021</a:t>
+              <a:t>01/03/2021</a:t>
             </a:fld>
             <a:endParaRPr lang="en-GB"/>
           </a:p>
@@ -14986,7 +14707,7 @@
           <a:p>
             <a:fld id="{9DEDDB69-8711-4799-BC8C-20796FEFCF37}" type="datetimeFigureOut">
               <a:rPr lang="en-GB" smtClean="0"/>
-              <a:t>28/02/2021</a:t>
+              <a:t>01/03/2021</a:t>
             </a:fld>
             <a:endParaRPr lang="en-GB"/>
           </a:p>
@@ -15234,7 +14955,7 @@
           <a:p>
             <a:fld id="{9DEDDB69-8711-4799-BC8C-20796FEFCF37}" type="datetimeFigureOut">
               <a:rPr lang="en-GB" smtClean="0"/>
-              <a:t>28/02/2021</a:t>
+              <a:t>01/03/2021</a:t>
             </a:fld>
             <a:endParaRPr lang="en-GB"/>
           </a:p>
@@ -15471,7 +15192,7 @@
           <a:p>
             <a:fld id="{9DEDDB69-8711-4799-BC8C-20796FEFCF37}" type="datetimeFigureOut">
               <a:rPr lang="en-GB" smtClean="0"/>
-              <a:t>28/02/2021</a:t>
+              <a:t>01/03/2021</a:t>
             </a:fld>
             <a:endParaRPr lang="en-GB"/>
           </a:p>
@@ -15844,7 +15565,7 @@
           <a:p>
             <a:fld id="{9DEDDB69-8711-4799-BC8C-20796FEFCF37}" type="datetimeFigureOut">
               <a:rPr lang="en-GB" smtClean="0"/>
-              <a:t>28/02/2021</a:t>
+              <a:t>01/03/2021</a:t>
             </a:fld>
             <a:endParaRPr lang="en-GB"/>
           </a:p>
@@ -15962,7 +15683,7 @@
           <a:p>
             <a:fld id="{9DEDDB69-8711-4799-BC8C-20796FEFCF37}" type="datetimeFigureOut">
               <a:rPr lang="en-GB" smtClean="0"/>
-              <a:t>28/02/2021</a:t>
+              <a:t>01/03/2021</a:t>
             </a:fld>
             <a:endParaRPr lang="en-GB"/>
           </a:p>
@@ -16057,7 +15778,7 @@
           <a:p>
             <a:fld id="{9DEDDB69-8711-4799-BC8C-20796FEFCF37}" type="datetimeFigureOut">
               <a:rPr lang="en-GB" smtClean="0"/>
-              <a:t>28/02/2021</a:t>
+              <a:t>01/03/2021</a:t>
             </a:fld>
             <a:endParaRPr lang="en-GB"/>
           </a:p>
@@ -16308,7 +16029,7 @@
           <a:p>
             <a:fld id="{9DEDDB69-8711-4799-BC8C-20796FEFCF37}" type="datetimeFigureOut">
               <a:rPr lang="en-GB" smtClean="0"/>
-              <a:t>28/02/2021</a:t>
+              <a:t>01/03/2021</a:t>
             </a:fld>
             <a:endParaRPr lang="en-GB"/>
           </a:p>
@@ -16595,7 +16316,7 @@
           <a:p>
             <a:fld id="{9DEDDB69-8711-4799-BC8C-20796FEFCF37}" type="datetimeFigureOut">
               <a:rPr lang="en-GB" smtClean="0"/>
-              <a:t>28/02/2021</a:t>
+              <a:t>01/03/2021</a:t>
             </a:fld>
             <a:endParaRPr lang="en-GB"/>
           </a:p>
@@ -16808,7 +16529,7 @@
           <a:p>
             <a:fld id="{9DEDDB69-8711-4799-BC8C-20796FEFCF37}" type="datetimeFigureOut">
               <a:rPr lang="en-GB" smtClean="0"/>
-              <a:t>28/02/2021</a:t>
+              <a:t>01/03/2021</a:t>
             </a:fld>
             <a:endParaRPr lang="en-GB"/>
           </a:p>
@@ -17306,7 +17027,7 @@
           <a:p>
             <a:r>
               <a:rPr lang="en-US" dirty="0"/>
-              <a:t>Chat-bot -OK</a:t>
+              <a:t>Chat-bot-OK</a:t>
             </a:r>
             <a:endParaRPr lang="en-GB" dirty="0"/>
           </a:p>
@@ -17349,6 +17070,44 @@
           </a:p>
         </p:txBody>
       </p:sp>
+      <p:pic>
+        <p:nvPicPr>
+          <p:cNvPr id="8" name="ivan">
+            <a:hlinkClick r:id="" action="ppaction://media"/>
+            <a:extLst>
+              <a:ext uri="{FF2B5EF4-FFF2-40B4-BE49-F238E27FC236}">
+                <a16:creationId xmlns:a16="http://schemas.microsoft.com/office/drawing/2014/main" id="{436E67B6-AE31-4452-BB73-127627B544BB}"/>
+              </a:ext>
+            </a:extLst>
+          </p:cNvPr>
+          <p:cNvPicPr>
+            <a:picLocks noChangeAspect="1"/>
+          </p:cNvPicPr>
+          <p:nvPr>
+            <a:audioFile r:link="rId2"/>
+            <p:extLst>
+              <p:ext uri="{DAA4B4D4-6D71-4841-9C94-3DE7FCFB9230}">
+                <p14:media xmlns:p14="http://schemas.microsoft.com/office/powerpoint/2010/main" r:embed="rId1"/>
+              </p:ext>
+            </p:extLst>
+          </p:nvPr>
+        </p:nvPicPr>
+        <p:blipFill>
+          <a:blip r:embed="rId4"/>
+          <a:stretch>
+            <a:fillRect/>
+          </a:stretch>
+        </p:blipFill>
+        <p:spPr>
+          <a:xfrm>
+            <a:off x="222940" y="164962"/>
+            <a:ext cx="730250" cy="730250"/>
+          </a:xfrm>
+          <a:prstGeom prst="rect">
+            <a:avLst/>
+          </a:prstGeom>
+        </p:spPr>
+      </p:pic>
     </p:spTree>
     <p:extLst>
       <p:ext uri="{BB962C8B-B14F-4D97-AF65-F5344CB8AC3E}">
@@ -17359,6 +17118,93 @@
   <p:clrMapOvr>
     <a:masterClrMapping/>
   </p:clrMapOvr>
+  <p:timing>
+    <p:tnLst>
+      <p:par>
+        <p:cTn id="1" dur="indefinite" restart="never" nodeType="tmRoot">
+          <p:childTnLst>
+            <p:seq concurrent="1" nextAc="seek">
+              <p:cTn id="2" dur="indefinite" nodeType="mainSeq">
+                <p:childTnLst>
+                  <p:par>
+                    <p:cTn id="3" fill="hold">
+                      <p:stCondLst>
+                        <p:cond delay="indefinite"/>
+                        <p:cond evt="onBegin" delay="0">
+                          <p:tn val="2"/>
+                        </p:cond>
+                      </p:stCondLst>
+                      <p:childTnLst>
+                        <p:par>
+                          <p:cTn id="4" fill="hold">
+                            <p:stCondLst>
+                              <p:cond delay="0"/>
+                            </p:stCondLst>
+                            <p:childTnLst>
+                              <p:par>
+                                <p:cTn id="5" presetID="1" presetClass="mediacall" presetSubtype="0" fill="hold" nodeType="afterEffect">
+                                  <p:stCondLst>
+                                    <p:cond delay="0"/>
+                                  </p:stCondLst>
+                                  <p:childTnLst>
+                                    <p:cmd type="call" cmd="playFrom(0.0)">
+                                      <p:cBhvr>
+                                        <p:cTn id="6" dur="1" fill="hold"/>
+                                        <p:tgtEl>
+                                          <p:spTgt spid="8"/>
+                                        </p:tgtEl>
+                                      </p:cBhvr>
+                                    </p:cmd>
+                                  </p:childTnLst>
+                                </p:cTn>
+                              </p:par>
+                            </p:childTnLst>
+                          </p:cTn>
+                        </p:par>
+                      </p:childTnLst>
+                    </p:cTn>
+                  </p:par>
+                </p:childTnLst>
+              </p:cTn>
+              <p:prevCondLst>
+                <p:cond evt="onPrev" delay="0">
+                  <p:tgtEl>
+                    <p:sldTgt/>
+                  </p:tgtEl>
+                </p:cond>
+              </p:prevCondLst>
+              <p:nextCondLst>
+                <p:cond evt="onNext" delay="0">
+                  <p:tgtEl>
+                    <p:sldTgt/>
+                  </p:tgtEl>
+                </p:cond>
+              </p:nextCondLst>
+            </p:seq>
+            <p:audio>
+              <p:cMediaNode numSld="999">
+                <p:cTn id="7" fill="hold" display="0">
+                  <p:stCondLst>
+                    <p:cond delay="indefinite"/>
+                  </p:stCondLst>
+                  <p:endCondLst>
+                    <p:cond evt="onStopAudio" delay="0">
+                      <p:tgtEl>
+                        <p:sldTgt/>
+                      </p:tgtEl>
+                    </p:cond>
+                  </p:endCondLst>
+                </p:cTn>
+                <p:tgtEl>
+                  <p:spTgt spid="8"/>
+                </p:tgtEl>
+              </p:cMediaNode>
+            </p:audio>
+          </p:childTnLst>
+        </p:cTn>
+      </p:par>
+    </p:tnLst>
+  </p:timing>
 </p:sld>
 </file>
 
@@ -17589,10 +17435,48 @@
         </p:xfrm>
         <a:graphic>
           <a:graphicData uri="http://schemas.openxmlformats.org/drawingml/2006/diagram">
-            <dgm:relIds xmlns:dgm="http://schemas.openxmlformats.org/drawingml/2006/diagram" xmlns:r="http://schemas.openxmlformats.org/officeDocument/2006/relationships" r:dm="rId2" r:lo="rId3" r:qs="rId4" r:cs="rId5"/>
+            <dgm:relIds xmlns:dgm="http://schemas.openxmlformats.org/drawingml/2006/diagram" xmlns:r="http://schemas.openxmlformats.org/officeDocument/2006/relationships" r:dm="rId4" r:lo="rId5" r:qs="rId6" r:cs="rId7"/>
           </a:graphicData>
         </a:graphic>
       </p:graphicFrame>
+      <p:pic>
+        <p:nvPicPr>
+          <p:cNvPr id="10" name="georgi">
+            <a:hlinkClick r:id="" action="ppaction://media"/>
+            <a:extLst>
+              <a:ext uri="{FF2B5EF4-FFF2-40B4-BE49-F238E27FC236}">
+                <a16:creationId xmlns:a16="http://schemas.microsoft.com/office/drawing/2014/main" id="{A2E59CFA-0016-4FC3-9DA7-291D0183BB76}"/>
+              </a:ext>
+            </a:extLst>
+          </p:cNvPr>
+          <p:cNvPicPr>
+            <a:picLocks noChangeAspect="1"/>
+          </p:cNvPicPr>
+          <p:nvPr>
+            <a:audioFile r:link="rId2"/>
+            <p:extLst>
+              <p:ext uri="{DAA4B4D4-6D71-4841-9C94-3DE7FCFB9230}">
+                <p14:media xmlns:p14="http://schemas.microsoft.com/office/powerpoint/2010/main" r:embed="rId1"/>
+              </p:ext>
+            </p:extLst>
+          </p:nvPr>
+        </p:nvPicPr>
+        <p:blipFill>
+          <a:blip r:embed="rId9"/>
+          <a:stretch>
+            <a:fillRect/>
+          </a:stretch>
+        </p:blipFill>
+        <p:spPr>
+          <a:xfrm>
+            <a:off x="388592" y="247788"/>
+            <a:ext cx="730250" cy="730250"/>
+          </a:xfrm>
+          <a:prstGeom prst="rect">
+            <a:avLst/>
+          </a:prstGeom>
+        </p:spPr>
+      </p:pic>
     </p:spTree>
     <p:extLst>
       <p:ext uri="{BB962C8B-B14F-4D97-AF65-F5344CB8AC3E}">
@@ -17664,6 +17548,32 @@
                             </p:childTnLst>
                           </p:cTn>
                         </p:par>
+                        <p:par>
+                          <p:cTn id="8" fill="hold">
+                            <p:stCondLst>
+                              <p:cond delay="500"/>
+                            </p:stCondLst>
+                            <p:childTnLst>
+                              <p:par>
+                                <p:cTn id="9" presetID="1" presetClass="mediacall" presetSubtype="0" fill="hold" nodeType="afterEffect">
+                                  <p:stCondLst>
+                                    <p:cond delay="0"/>
+                                  </p:stCondLst>
+                                  <p:childTnLst>
+                                    <p:cmd type="call" cmd="playFrom(0.0)">
+                                      <p:cBhvr>
+                                        <p:cTn id="10" dur="1" fill="hold"/>
+                                        <p:tgtEl>
+                                          <p:spTgt spid="10"/>
+                                        </p:tgtEl>
+                                      </p:cBhvr>
+                                    </p:cmd>
+                                  </p:childTnLst>
+                                </p:cTn>
+                              </p:par>
+                            </p:childTnLst>
+                          </p:cTn>
+                        </p:par>
                       </p:childTnLst>
                     </p:cTn>
                   </p:par>
@@ -17684,6 +17594,25 @@
                 </p:cond>
               </p:nextCondLst>
             </p:seq>
+            <p:audio>
+              <p:cMediaNode>
+                <p:cTn id="11" fill="hold" display="0">
+                  <p:stCondLst>
+                    <p:cond delay="indefinite"/>
+                  </p:stCondLst>
+                  <p:endCondLst>
+                    <p:cond evt="onStopAudio" delay="0">
+                      <p:tgtEl>
+                        <p:sldTgt/>
+                      </p:tgtEl>
+                    </p:cond>
+                  </p:endCondLst>
+                </p:cTn>
+                <p:tgtEl>
+                  <p:spTgt spid="10"/>
+                </p:tgtEl>
+              </p:cMediaNode>
+            </p:audio>
           </p:childTnLst>
         </p:cTn>
       </p:par>
@@ -17731,8 +17660,11 @@
           <a:p>
             <a:r>
               <a:rPr lang="bg-BG" dirty="0"/>
-              <a:t>Използвани технологии</a:t>
+              <a:t>Използвани технологии и програми</a:t>
             </a:r>
+            <a:br>
+              <a:rPr lang="bg-BG" dirty="0"/>
+            </a:br>
             <a:endParaRPr lang="en-GB" dirty="0"/>
           </a:p>
         </p:txBody>
@@ -17748,7 +17680,7 @@
           </p:nvPr>
         </p:nvPicPr>
         <p:blipFill>
-          <a:blip r:embed="rId2">
+          <a:blip r:embed="rId4">
             <a:extLst>
               <a:ext uri="{28A0092B-C50C-407E-A947-70E740481C1C}">
                 <a14:useLocalDpi xmlns:a14="http://schemas.microsoft.com/office/drawing/2010/main" val="0"/>
@@ -17768,36 +17700,6 @@
       </p:pic>
       <p:pic>
         <p:nvPicPr>
-          <p:cNvPr id="7" name="Picture 6"/>
-          <p:cNvPicPr>
-            <a:picLocks noChangeAspect="1"/>
-          </p:cNvPicPr>
-          <p:nvPr/>
-        </p:nvPicPr>
-        <p:blipFill>
-          <a:blip r:embed="rId3">
-            <a:extLst>
-              <a:ext uri="{28A0092B-C50C-407E-A947-70E740481C1C}">
-                <a14:useLocalDpi xmlns:a14="http://schemas.microsoft.com/office/drawing/2010/main" val="0"/>
-              </a:ext>
-            </a:extLst>
-          </a:blip>
-          <a:stretch>
-            <a:fillRect/>
-          </a:stretch>
-        </p:blipFill>
-        <p:spPr>
-          <a:xfrm>
-            <a:off x="4956450" y="3844431"/>
-            <a:ext cx="2632165" cy="2632165"/>
-          </a:xfrm>
-          <a:prstGeom prst="rect">
-            <a:avLst/>
-          </a:prstGeom>
-        </p:spPr>
-      </p:pic>
-      <p:pic>
-        <p:nvPicPr>
           <p:cNvPr id="13" name="Picture 12"/>
           <p:cNvPicPr>
             <a:picLocks noChangeAspect="1"/>
@@ -17805,7 +17707,7 @@
           <p:nvPr/>
         </p:nvPicPr>
         <p:blipFill>
-          <a:blip r:embed="rId4">
+          <a:blip r:embed="rId5">
             <a:extLst>
               <a:ext uri="{28A0092B-C50C-407E-A947-70E740481C1C}">
                 <a14:useLocalDpi xmlns:a14="http://schemas.microsoft.com/office/drawing/2010/main" val="0"/>
@@ -17835,11 +17737,11 @@
           <p:nvPr/>
         </p:nvPicPr>
         <p:blipFill>
-          <a:blip r:embed="rId5">
+          <a:blip r:embed="rId6">
             <a:extLst>
               <a:ext uri="{BEBA8EAE-BF5A-486C-A8C5-ECC9F3942E4B}">
                 <a14:imgProps xmlns:a14="http://schemas.microsoft.com/office/drawing/2010/main">
-                  <a14:imgLayer r:embed="rId6">
+                  <a14:imgLayer r:embed="rId7">
                     <a14:imgEffect>
                       <a14:backgroundRemoval t="0" b="100000" l="0" r="100000"/>
                     </a14:imgEffect>
@@ -17857,7 +17759,7 @@
         </p:blipFill>
         <p:spPr>
           <a:xfrm>
-            <a:off x="7367286" y="1311430"/>
+            <a:off x="7367286" y="1383148"/>
             <a:ext cx="4588513" cy="2651141"/>
           </a:xfrm>
           <a:prstGeom prst="rect">
@@ -17874,11 +17776,11 @@
           <p:nvPr/>
         </p:nvPicPr>
         <p:blipFill>
-          <a:blip r:embed="rId7" cstate="print">
+          <a:blip r:embed="rId8" cstate="print">
             <a:extLst>
               <a:ext uri="{BEBA8EAE-BF5A-486C-A8C5-ECC9F3942E4B}">
                 <a14:imgProps xmlns:a14="http://schemas.microsoft.com/office/drawing/2010/main">
-                  <a14:imgLayer r:embed="rId8">
+                  <a14:imgLayer r:embed="rId9">
                     <a14:imgEffect>
                       <a14:backgroundRemoval t="380" b="100000" l="0" r="100000"/>
                     </a14:imgEffect>
@@ -17913,11 +17815,11 @@
           <p:nvPr/>
         </p:nvPicPr>
         <p:blipFill>
-          <a:blip r:embed="rId9">
+          <a:blip r:embed="rId10">
             <a:extLst>
               <a:ext uri="{BEBA8EAE-BF5A-486C-A8C5-ECC9F3942E4B}">
                 <a14:imgProps xmlns:a14="http://schemas.microsoft.com/office/drawing/2010/main">
-                  <a14:imgLayer r:embed="rId10">
+                  <a14:imgLayer r:embed="rId11">
                     <a14:imgEffect>
                       <a14:backgroundRemoval t="0" b="100000" l="0" r="100000"/>
                     </a14:imgEffect>
@@ -17937,6 +17839,80 @@
           <a:xfrm>
             <a:off x="5445490" y="1690688"/>
             <a:ext cx="2143125" cy="2143125"/>
+          </a:xfrm>
+          <a:prstGeom prst="rect">
+            <a:avLst/>
+          </a:prstGeom>
+        </p:spPr>
+      </p:pic>
+      <p:pic>
+        <p:nvPicPr>
+          <p:cNvPr id="5" name="Picture 5" descr="Icon&#10;&#10;Description automatically generated">
+            <a:extLst>
+              <a:ext uri="{FF2B5EF4-FFF2-40B4-BE49-F238E27FC236}">
+                <a16:creationId xmlns:a16="http://schemas.microsoft.com/office/drawing/2014/main" id="{6B5842B3-E5B1-43C8-9D37-796798DC5E29}"/>
+              </a:ext>
+            </a:extLst>
+          </p:cNvPr>
+          <p:cNvPicPr>
+            <a:picLocks noChangeAspect="1"/>
+          </p:cNvPicPr>
+          <p:nvPr/>
+        </p:nvPicPr>
+        <p:blipFill>
+          <a:blip r:embed="rId12"/>
+          <a:stretch>
+            <a:fillRect/>
+          </a:stretch>
+        </p:blipFill>
+        <p:spPr>
+          <a:xfrm>
+            <a:off x="5154246" y="4493638"/>
+            <a:ext cx="2743200" cy="1543955"/>
+          </a:xfrm>
+          <a:prstGeom prst="rect">
+            <a:avLst/>
+          </a:prstGeom>
+          <a:ln>
+            <a:noFill/>
+          </a:ln>
+          <a:effectLst>
+            <a:softEdge rad="112500"/>
+          </a:effectLst>
+        </p:spPr>
+      </p:pic>
+      <p:pic>
+        <p:nvPicPr>
+          <p:cNvPr id="6" name="niki">
+            <a:hlinkClick r:id="" action="ppaction://media"/>
+            <a:extLst>
+              <a:ext uri="{FF2B5EF4-FFF2-40B4-BE49-F238E27FC236}">
+                <a16:creationId xmlns:a16="http://schemas.microsoft.com/office/drawing/2014/main" id="{CBE8BE8B-EE8E-4037-B89B-D62B66160787}"/>
+              </a:ext>
+            </a:extLst>
+          </p:cNvPr>
+          <p:cNvPicPr>
+            <a:picLocks noChangeAspect="1"/>
+          </p:cNvPicPr>
+          <p:nvPr>
+            <a:audioFile r:link="rId2"/>
+            <p:extLst>
+              <p:ext uri="{DAA4B4D4-6D71-4841-9C94-3DE7FCFB9230}">
+                <p14:media xmlns:p14="http://schemas.microsoft.com/office/powerpoint/2010/main" r:embed="rId1"/>
+              </p:ext>
+            </p:extLst>
+          </p:nvPr>
+        </p:nvPicPr>
+        <p:blipFill>
+          <a:blip r:embed="rId13"/>
+          <a:stretch>
+            <a:fillRect/>
+          </a:stretch>
+        </p:blipFill>
+        <p:spPr>
+          <a:xfrm>
+            <a:off x="105774" y="67246"/>
+            <a:ext cx="730250" cy="730250"/>
           </a:xfrm>
           <a:prstGeom prst="rect">
             <a:avLst/>
@@ -18122,7 +18098,7 @@
                                           </p:stCondLst>
                                         </p:cTn>
                                         <p:tgtEl>
-                                          <p:spTgt spid="7"/>
+                                          <p:spTgt spid="13"/>
                                         </p:tgtEl>
                                         <p:attrNameLst>
                                           <p:attrName>style.visibility</p:attrName>
@@ -18136,7 +18112,7 @@
                                       <p:cBhvr>
                                         <p:cTn id="19" dur="1000"/>
                                         <p:tgtEl>
-                                          <p:spTgt spid="7"/>
+                                          <p:spTgt spid="13"/>
                                         </p:tgtEl>
                                       </p:cBhvr>
                                     </p:animEffect>
@@ -18166,7 +18142,7 @@
                                           </p:stCondLst>
                                         </p:cTn>
                                         <p:tgtEl>
-                                          <p:spTgt spid="13"/>
+                                          <p:spTgt spid="18"/>
                                         </p:tgtEl>
                                         <p:attrNameLst>
                                           <p:attrName>style.visibility</p:attrName>
@@ -18180,7 +18156,7 @@
                                       <p:cBhvr>
                                         <p:cTn id="23" dur="1000"/>
                                         <p:tgtEl>
-                                          <p:spTgt spid="13"/>
+                                          <p:spTgt spid="18"/>
                                         </p:tgtEl>
                                       </p:cBhvr>
                                     </p:animEffect>
@@ -18197,20 +18173,55 @@
                             </p:stCondLst>
                             <p:childTnLst>
                               <p:par>
-                                <p:cTn id="25" presetID="10" presetClass="entr" presetSubtype="0" fill="hold" nodeType="afterEffect">
+                                <p:cTn id="25" presetID="1" presetClass="mediacall" presetSubtype="0" fill="hold" nodeType="afterEffect">
                                   <p:stCondLst>
-                                    <p:cond delay="2000"/>
+                                    <p:cond delay="0"/>
+                                  </p:stCondLst>
+                                  <p:childTnLst>
+                                    <p:cmd type="call" cmd="playFrom(0.0)">
+                                      <p:cBhvr>
+                                        <p:cTn id="26" dur="1" fill="hold"/>
+                                        <p:tgtEl>
+                                          <p:spTgt spid="6"/>
+                                        </p:tgtEl>
+                                      </p:cBhvr>
+                                    </p:cmd>
+                                  </p:childTnLst>
+                                </p:cTn>
+                              </p:par>
+                            </p:childTnLst>
+                          </p:cTn>
+                        </p:par>
+                      </p:childTnLst>
+                    </p:cTn>
+                  </p:par>
+                  <p:par>
+                    <p:cTn id="27" fill="hold">
+                      <p:stCondLst>
+                        <p:cond delay="indefinite"/>
+                      </p:stCondLst>
+                      <p:childTnLst>
+                        <p:par>
+                          <p:cTn id="28" fill="hold">
+                            <p:stCondLst>
+                              <p:cond delay="0"/>
+                            </p:stCondLst>
+                            <p:childTnLst>
+                              <p:par>
+                                <p:cTn id="29" presetID="22" presetClass="entr" presetSubtype="4" fill="hold" nodeType="clickEffect">
+                                  <p:stCondLst>
+                                    <p:cond delay="0"/>
                                   </p:stCondLst>
                                   <p:childTnLst>
                                     <p:set>
                                       <p:cBhvr>
-                                        <p:cTn id="26" dur="1" fill="hold">
+                                        <p:cTn id="30" dur="1" fill="hold">
                                           <p:stCondLst>
                                             <p:cond delay="0"/>
                                           </p:stCondLst>
                                         </p:cTn>
                                         <p:tgtEl>
-                                          <p:spTgt spid="18"/>
+                                          <p:spTgt spid="5"/>
                                         </p:tgtEl>
                                         <p:attrNameLst>
                                           <p:attrName>style.visibility</p:attrName>
@@ -18220,11 +18231,11 @@
                                         <p:strVal val="visible"/>
                                       </p:to>
                                     </p:set>
-                                    <p:animEffect transition="in" filter="fade">
+                                    <p:animEffect transition="in" filter="wipe(down)">
                                       <p:cBhvr>
-                                        <p:cTn id="27" dur="1000"/>
+                                        <p:cTn id="31" dur="500"/>
                                         <p:tgtEl>
-                                          <p:spTgt spid="18"/>
+                                          <p:spTgt spid="5"/>
                                         </p:tgtEl>
                                       </p:cBhvr>
                                     </p:animEffect>
@@ -18254,6 +18265,25 @@
                 </p:cond>
               </p:nextCondLst>
             </p:seq>
+            <p:audio>
+              <p:cMediaNode>
+                <p:cTn id="32" fill="hold" display="0">
+                  <p:stCondLst>
+                    <p:cond delay="indefinite"/>
+                  </p:stCondLst>
+                  <p:endCondLst>
+                    <p:cond evt="onStopAudio" delay="0">
+                      <p:tgtEl>
+                        <p:sldTgt/>
+                      </p:tgtEl>
+                    </p:cond>
+                  </p:endCondLst>
+                </p:cTn>
+                <p:tgtEl>
+                  <p:spTgt spid="6"/>
+                </p:tgtEl>
+              </p:cMediaNode>
+            </p:audio>
           </p:childTnLst>
         </p:cTn>
       </p:par>
@@ -18312,21 +18342,59 @@
             <p:ph idx="1"/>
             <p:extLst>
               <p:ext uri="{D42A27DB-BD31-4B8C-83A1-F6EECF244321}">
-                <p14:modId xmlns:p14="http://schemas.microsoft.com/office/powerpoint/2010/main" val="3128239252"/>
+                <p14:modId xmlns:p14="http://schemas.microsoft.com/office/powerpoint/2010/main" val="1548595347"/>
               </p:ext>
             </p:extLst>
           </p:nvPr>
         </p:nvGraphicFramePr>
         <p:xfrm>
-          <a:off x="914400" y="2095500"/>
+          <a:off x="968188" y="2095500"/>
           <a:ext cx="10353675" cy="3695700"/>
         </p:xfrm>
         <a:graphic>
           <a:graphicData uri="http://schemas.openxmlformats.org/drawingml/2006/diagram">
-            <dgm:relIds xmlns:dgm="http://schemas.openxmlformats.org/drawingml/2006/diagram" xmlns:r="http://schemas.openxmlformats.org/officeDocument/2006/relationships" r:dm="rId2" r:lo="rId3" r:qs="rId4" r:cs="rId5"/>
+            <dgm:relIds xmlns:dgm="http://schemas.openxmlformats.org/drawingml/2006/diagram" xmlns:r="http://schemas.openxmlformats.org/officeDocument/2006/relationships" r:dm="rId4" r:lo="rId5" r:qs="rId6" r:cs="rId7"/>
           </a:graphicData>
         </a:graphic>
       </p:graphicFrame>
+      <p:pic>
+        <p:nvPicPr>
+          <p:cNvPr id="16" name="mirko">
+            <a:hlinkClick r:id="" action="ppaction://media"/>
+            <a:extLst>
+              <a:ext uri="{FF2B5EF4-FFF2-40B4-BE49-F238E27FC236}">
+                <a16:creationId xmlns:a16="http://schemas.microsoft.com/office/drawing/2014/main" id="{20FE7257-C606-4E23-8F46-9CF3BEA530FF}"/>
+              </a:ext>
+            </a:extLst>
+          </p:cNvPr>
+          <p:cNvPicPr>
+            <a:picLocks noChangeAspect="1"/>
+          </p:cNvPicPr>
+          <p:nvPr>
+            <a:audioFile r:link="rId2"/>
+            <p:extLst>
+              <p:ext uri="{DAA4B4D4-6D71-4841-9C94-3DE7FCFB9230}">
+                <p14:media xmlns:p14="http://schemas.microsoft.com/office/powerpoint/2010/main" r:embed="rId1"/>
+              </p:ext>
+            </p:extLst>
+          </p:nvPr>
+        </p:nvPicPr>
+        <p:blipFill>
+          <a:blip r:embed="rId9"/>
+          <a:stretch>
+            <a:fillRect/>
+          </a:stretch>
+        </p:blipFill>
+        <p:spPr>
+          <a:xfrm>
+            <a:off x="297484" y="148397"/>
+            <a:ext cx="730250" cy="730250"/>
+          </a:xfrm>
+          <a:prstGeom prst="rect">
+            <a:avLst/>
+          </a:prstGeom>
+        </p:spPr>
+      </p:pic>
     </p:spTree>
     <p:extLst>
       <p:ext uri="{BB962C8B-B14F-4D97-AF65-F5344CB8AC3E}">
@@ -18398,6 +18466,32 @@
                             </p:childTnLst>
                           </p:cTn>
                         </p:par>
+                        <p:par>
+                          <p:cTn id="8" fill="hold">
+                            <p:stCondLst>
+                              <p:cond delay="1500"/>
+                            </p:stCondLst>
+                            <p:childTnLst>
+                              <p:par>
+                                <p:cTn id="9" presetID="1" presetClass="mediacall" presetSubtype="0" fill="hold" nodeType="afterEffect">
+                                  <p:stCondLst>
+                                    <p:cond delay="0"/>
+                                  </p:stCondLst>
+                                  <p:childTnLst>
+                                    <p:cmd type="call" cmd="playFrom(0.0)">
+                                      <p:cBhvr>
+                                        <p:cTn id="10" dur="1" fill="hold"/>
+                                        <p:tgtEl>
+                                          <p:spTgt spid="16"/>
+                                        </p:tgtEl>
+                                      </p:cBhvr>
+                                    </p:cmd>
+                                  </p:childTnLst>
+                                </p:cTn>
+                              </p:par>
+                            </p:childTnLst>
+                          </p:cTn>
+                        </p:par>
                       </p:childTnLst>
                     </p:cTn>
                   </p:par>
@@ -18418,6 +18512,25 @@
                 </p:cond>
               </p:nextCondLst>
             </p:seq>
+            <p:audio>
+              <p:cMediaNode>
+                <p:cTn id="11" fill="hold" display="0">
+                  <p:stCondLst>
+                    <p:cond delay="indefinite"/>
+                  </p:stCondLst>
+                  <p:endCondLst>
+                    <p:cond evt="onStopAudio" delay="0">
+                      <p:tgtEl>
+                        <p:sldTgt/>
+                      </p:tgtEl>
+                    </p:cond>
+                  </p:endCondLst>
+                </p:cTn>
+                <p:tgtEl>
+                  <p:spTgt spid="16"/>
+                </p:tgtEl>
+              </p:cMediaNode>
+            </p:audio>
           </p:childTnLst>
         </p:cTn>
       </p:par>
@@ -18492,10 +18605,48 @@
         </p:xfrm>
         <a:graphic>
           <a:graphicData uri="http://schemas.openxmlformats.org/drawingml/2006/diagram">
-            <dgm:relIds xmlns:dgm="http://schemas.openxmlformats.org/drawingml/2006/diagram" xmlns:r="http://schemas.openxmlformats.org/officeDocument/2006/relationships" r:dm="rId2" r:lo="rId3" r:qs="rId4" r:cs="rId5"/>
+            <dgm:relIds xmlns:dgm="http://schemas.openxmlformats.org/drawingml/2006/diagram" xmlns:r="http://schemas.openxmlformats.org/officeDocument/2006/relationships" r:dm="rId4" r:lo="rId5" r:qs="rId6" r:cs="rId7"/>
           </a:graphicData>
         </a:graphic>
       </p:graphicFrame>
+      <p:pic>
+        <p:nvPicPr>
+          <p:cNvPr id="28" name="egor">
+            <a:hlinkClick r:id="" action="ppaction://media"/>
+            <a:extLst>
+              <a:ext uri="{FF2B5EF4-FFF2-40B4-BE49-F238E27FC236}">
+                <a16:creationId xmlns:a16="http://schemas.microsoft.com/office/drawing/2014/main" id="{6B99726E-6191-4077-ABA8-C2F671957455}"/>
+              </a:ext>
+            </a:extLst>
+          </p:cNvPr>
+          <p:cNvPicPr>
+            <a:picLocks noChangeAspect="1"/>
+          </p:cNvPicPr>
+          <p:nvPr>
+            <a:audioFile r:link="rId2"/>
+            <p:extLst>
+              <p:ext uri="{DAA4B4D4-6D71-4841-9C94-3DE7FCFB9230}">
+                <p14:media xmlns:p14="http://schemas.microsoft.com/office/powerpoint/2010/main" r:embed="rId1"/>
+              </p:ext>
+            </p:extLst>
+          </p:nvPr>
+        </p:nvPicPr>
+        <p:blipFill>
+          <a:blip r:embed="rId9"/>
+          <a:stretch>
+            <a:fillRect/>
+          </a:stretch>
+        </p:blipFill>
+        <p:spPr>
+          <a:xfrm>
+            <a:off x="181527" y="181527"/>
+            <a:ext cx="730250" cy="730250"/>
+          </a:xfrm>
+          <a:prstGeom prst="rect">
+            <a:avLst/>
+          </a:prstGeom>
+        </p:spPr>
+      </p:pic>
     </p:spTree>
     <p:extLst>
       <p:ext uri="{BB962C8B-B14F-4D97-AF65-F5344CB8AC3E}">
@@ -18567,6 +18718,32 @@
                             </p:childTnLst>
                           </p:cTn>
                         </p:par>
+                        <p:par>
+                          <p:cTn id="8" fill="hold">
+                            <p:stCondLst>
+                              <p:cond delay="2500"/>
+                            </p:stCondLst>
+                            <p:childTnLst>
+                              <p:par>
+                                <p:cTn id="9" presetID="1" presetClass="mediacall" presetSubtype="0" fill="hold" nodeType="afterEffect">
+                                  <p:stCondLst>
+                                    <p:cond delay="0"/>
+                                  </p:stCondLst>
+                                  <p:childTnLst>
+                                    <p:cmd type="call" cmd="playFrom(0.0)">
+                                      <p:cBhvr>
+                                        <p:cTn id="10" dur="1" fill="hold"/>
+                                        <p:tgtEl>
+                                          <p:spTgt spid="28"/>
+                                        </p:tgtEl>
+                                      </p:cBhvr>
+                                    </p:cmd>
+                                  </p:childTnLst>
+                                </p:cTn>
+                              </p:par>
+                            </p:childTnLst>
+                          </p:cTn>
+                        </p:par>
                       </p:childTnLst>
                     </p:cTn>
                   </p:par>
@@ -18587,6 +18764,25 @@
                 </p:cond>
               </p:nextCondLst>
             </p:seq>
+            <p:audio>
+              <p:cMediaNode>
+                <p:cTn id="11" fill="hold" display="0">
+                  <p:stCondLst>
+                    <p:cond delay="indefinite"/>
+                  </p:stCondLst>
+                  <p:endCondLst>
+                    <p:cond evt="onStopAudio" delay="0">
+                      <p:tgtEl>
+                        <p:sldTgt/>
+                      </p:tgtEl>
+                    </p:cond>
+                  </p:endCondLst>
+                </p:cTn>
+                <p:tgtEl>
+                  <p:spTgt spid="28"/>
+                </p:tgtEl>
+              </p:cMediaNode>
+            </p:audio>
           </p:childTnLst>
         </p:cTn>
       </p:par>
@@ -18601,6 +18797,320 @@
 </file>
 
 <file path=ppt/slides/slide7.xml><?xml version="1.0" encoding="utf-8"?>
+<p:sld xmlns:a="http://schemas.openxmlformats.org/drawingml/2006/main" xmlns:r="http://schemas.openxmlformats.org/officeDocument/2006/relationships" xmlns:p="http://schemas.openxmlformats.org/presentationml/2006/main">
+  <p:cSld>
+    <p:bg>
+      <p:bgPr>
+        <a:solidFill>
+          <a:schemeClr val="bg1"/>
+        </a:solidFill>
+        <a:effectLst/>
+      </p:bgPr>
+    </p:bg>
+    <p:spTree>
+      <p:nvGrpSpPr>
+        <p:cNvPr id="1" name=""/>
+        <p:cNvGrpSpPr/>
+        <p:nvPr/>
+      </p:nvGrpSpPr>
+      <p:grpSpPr>
+        <a:xfrm>
+          <a:off x="0" y="0"/>
+          <a:ext cx="0" cy="0"/>
+          <a:chOff x="0" y="0"/>
+          <a:chExt cx="0" cy="0"/>
+        </a:xfrm>
+      </p:grpSpPr>
+      <p:sp>
+        <p:nvSpPr>
+          <p:cNvPr id="27" name="Rectangle 26">
+            <a:extLst>
+              <a:ext uri="{FF2B5EF4-FFF2-40B4-BE49-F238E27FC236}">
+                <a16:creationId xmlns:a16="http://schemas.microsoft.com/office/drawing/2014/main" id="{5C821777-3A3B-437E-B5C1-FBC7B0F48C56}"/>
+              </a:ext>
+              <a:ext uri="{C183D7F6-B498-43B3-948B-1728B52AA6E4}">
+                <adec:decorative xmlns:adec="http://schemas.microsoft.com/office/drawing/2017/decorative" val="1"/>
+              </a:ext>
+            </a:extLst>
+          </p:cNvPr>
+          <p:cNvSpPr>
+            <a:spLocks noGrp="1" noRot="1" noChangeAspect="1" noMove="1" noResize="1" noEditPoints="1" noAdjustHandles="1" noChangeArrowheads="1" noChangeShapeType="1" noTextEdit="1"/>
+          </p:cNvSpPr>
+          <p:nvPr>
+            <p:extLst>
+              <p:ext uri="{386F3935-93C4-4BCD-93E2-E3B085C9AB24}">
+                <p16:designElem xmlns:p16="http://schemas.microsoft.com/office/powerpoint/2015/main" val="1"/>
+              </p:ext>
+            </p:extLst>
+          </p:nvPr>
+        </p:nvSpPr>
+        <p:spPr>
+          <a:xfrm>
+            <a:off x="0" y="0"/>
+            <a:ext cx="12192000" cy="6858000"/>
+          </a:xfrm>
+          <a:prstGeom prst="rect">
+            <a:avLst/>
+          </a:prstGeom>
+          <a:ln>
+            <a:noFill/>
+          </a:ln>
+        </p:spPr>
+        <p:style>
+          <a:lnRef idx="2">
+            <a:schemeClr val="accent1">
+              <a:shade val="50000"/>
+            </a:schemeClr>
+          </a:lnRef>
+          <a:fillRef idx="1003">
+            <a:schemeClr val="dk2"/>
+          </a:fillRef>
+          <a:effectRef idx="0">
+            <a:schemeClr val="accent1"/>
+          </a:effectRef>
+          <a:fontRef idx="minor">
+            <a:schemeClr val="lt1"/>
+          </a:fontRef>
+        </p:style>
+        <p:txBody>
+          <a:bodyPr rtlCol="0" anchor="ctr"/>
+          <a:lstStyle/>
+          <a:p>
+            <a:pPr algn="ctr"/>
+            <a:endParaRPr lang="en-US"/>
+          </a:p>
+        </p:txBody>
+      </p:sp>
+      <p:sp>
+        <p:nvSpPr>
+          <p:cNvPr id="2" name="Title 1">
+            <a:extLst>
+              <a:ext uri="{FF2B5EF4-FFF2-40B4-BE49-F238E27FC236}">
+                <a16:creationId xmlns:a16="http://schemas.microsoft.com/office/drawing/2014/main" id="{60FC9DC9-DBCF-4D89-A70A-C133F37557E6}"/>
+              </a:ext>
+            </a:extLst>
+          </p:cNvPr>
+          <p:cNvSpPr>
+            <a:spLocks noGrp="1"/>
+          </p:cNvSpPr>
+          <p:nvPr>
+            <p:ph type="title"/>
+          </p:nvPr>
+        </p:nvSpPr>
+        <p:spPr>
+          <a:xfrm>
+            <a:off x="7872575" y="628651"/>
+            <a:ext cx="3643150" cy="3495674"/>
+          </a:xfrm>
+        </p:spPr>
+        <p:txBody>
+          <a:bodyPr vert="horz" lIns="91440" tIns="45720" rIns="91440" bIns="45720" rtlCol="0" anchor="b">
+            <a:normAutofit/>
+          </a:bodyPr>
+          <a:lstStyle/>
+          <a:p>
+            <a:r>
+              <a:rPr lang="en-US" sz="4000">
+                <a:solidFill>
+                  <a:srgbClr val="FFFFFF"/>
+                </a:solidFill>
+              </a:rPr>
+              <a:t>Блок схема на кода</a:t>
+            </a:r>
+          </a:p>
+        </p:txBody>
+      </p:sp>
+      <p:sp>
+        <p:nvSpPr>
+          <p:cNvPr id="29" name="Rectangle 28">
+            <a:extLst>
+              <a:ext uri="{FF2B5EF4-FFF2-40B4-BE49-F238E27FC236}">
+                <a16:creationId xmlns:a16="http://schemas.microsoft.com/office/drawing/2014/main" id="{A31AD40C-CE73-4162-8681-421B8AF943A2}"/>
+              </a:ext>
+              <a:ext uri="{C183D7F6-B498-43B3-948B-1728B52AA6E4}">
+                <adec:decorative xmlns:adec="http://schemas.microsoft.com/office/drawing/2017/decorative" val="1"/>
+              </a:ext>
+            </a:extLst>
+          </p:cNvPr>
+          <p:cNvSpPr>
+            <a:spLocks noGrp="1" noRot="1" noChangeAspect="1" noMove="1" noResize="1" noEditPoints="1" noAdjustHandles="1" noChangeArrowheads="1" noChangeShapeType="1" noTextEdit="1"/>
+          </p:cNvSpPr>
+          <p:nvPr>
+            <p:extLst>
+              <p:ext uri="{386F3935-93C4-4BCD-93E2-E3B085C9AB24}">
+                <p16:designElem xmlns:p16="http://schemas.microsoft.com/office/powerpoint/2015/main" val="1"/>
+              </p:ext>
+            </p:extLst>
+          </p:nvPr>
+        </p:nvSpPr>
+        <p:spPr>
+          <a:xfrm>
+            <a:off x="752475" y="733425"/>
+            <a:ext cx="6696075" cy="5391150"/>
+          </a:xfrm>
+          <a:prstGeom prst="rect">
+            <a:avLst/>
+          </a:prstGeom>
+          <a:solidFill>
+            <a:schemeClr val="bg1"/>
+          </a:solidFill>
+          <a:ln w="190500" cap="sq">
+            <a:solidFill>
+              <a:schemeClr val="bg1"/>
+            </a:solidFill>
+            <a:miter lim="800000"/>
+          </a:ln>
+          <a:effectLst>
+            <a:outerShdw blurRad="54991" dist="17780" dir="5400000" algn="ctr" rotWithShape="0">
+              <a:schemeClr val="bg1">
+                <a:alpha val="40000"/>
+              </a:schemeClr>
+            </a:outerShdw>
+          </a:effectLst>
+          <a:scene3d>
+            <a:camera prst="orthographicFront"/>
+            <a:lightRig rig="twoPt" dir="t">
+              <a:rot lat="0" lon="0" rev="7200000"/>
+            </a:lightRig>
+          </a:scene3d>
+          <a:sp3d>
+            <a:bevelT w="25400" h="19050"/>
+          </a:sp3d>
+        </p:spPr>
+        <p:style>
+          <a:lnRef idx="2">
+            <a:schemeClr val="accent1">
+              <a:shade val="50000"/>
+            </a:schemeClr>
+          </a:lnRef>
+          <a:fillRef idx="1">
+            <a:schemeClr val="accent1"/>
+          </a:fillRef>
+          <a:effectRef idx="0">
+            <a:schemeClr val="accent1"/>
+          </a:effectRef>
+          <a:fontRef idx="minor">
+            <a:schemeClr val="lt1"/>
+          </a:fontRef>
+        </p:style>
+        <p:txBody>
+          <a:bodyPr rtlCol="0" anchor="ctr"/>
+          <a:lstStyle/>
+          <a:p>
+            <a:pPr algn="ctr"/>
+            <a:endParaRPr lang="en-US"/>
+          </a:p>
+        </p:txBody>
+      </p:sp>
+      <p:pic>
+        <p:nvPicPr>
+          <p:cNvPr id="5" name="Picture 5" descr="Diagram&#10;&#10;Description automatically generated">
+            <a:extLst>
+              <a:ext uri="{FF2B5EF4-FFF2-40B4-BE49-F238E27FC236}">
+                <a16:creationId xmlns:a16="http://schemas.microsoft.com/office/drawing/2014/main" id="{4BC01724-FE32-484A-912C-F3743904EF78}"/>
+              </a:ext>
+            </a:extLst>
+          </p:cNvPr>
+          <p:cNvPicPr>
+            <a:picLocks noGrp="1" noChangeAspect="1"/>
+          </p:cNvPicPr>
+          <p:nvPr>
+            <p:ph idx="1"/>
+          </p:nvPr>
+        </p:nvPicPr>
+        <p:blipFill>
+          <a:blip r:embed="rId2"/>
+          <a:stretch>
+            <a:fillRect/>
+          </a:stretch>
+        </p:blipFill>
+        <p:spPr>
+          <a:xfrm>
+            <a:off x="1821092" y="1114868"/>
+            <a:ext cx="4558841" cy="4628265"/>
+          </a:xfrm>
+          <a:prstGeom prst="rect">
+            <a:avLst/>
+          </a:prstGeom>
+        </p:spPr>
+      </p:pic>
+      <p:sp>
+        <p:nvSpPr>
+          <p:cNvPr id="31" name="Rectangle 30">
+            <a:extLst>
+              <a:ext uri="{FF2B5EF4-FFF2-40B4-BE49-F238E27FC236}">
+                <a16:creationId xmlns:a16="http://schemas.microsoft.com/office/drawing/2014/main" id="{707A3B9D-B1BA-4989-A535-1A6D8D402CC6}"/>
+              </a:ext>
+              <a:ext uri="{C183D7F6-B498-43B3-948B-1728B52AA6E4}">
+                <adec:decorative xmlns:adec="http://schemas.microsoft.com/office/drawing/2017/decorative" val="1"/>
+              </a:ext>
+            </a:extLst>
+          </p:cNvPr>
+          <p:cNvSpPr>
+            <a:spLocks noGrp="1" noRot="1" noChangeAspect="1" noMove="1" noResize="1" noEditPoints="1" noAdjustHandles="1" noChangeArrowheads="1" noChangeShapeType="1" noTextEdit="1"/>
+          </p:cNvSpPr>
+          <p:nvPr>
+            <p:extLst>
+              <p:ext uri="{386F3935-93C4-4BCD-93E2-E3B085C9AB24}">
+                <p16:designElem xmlns:p16="http://schemas.microsoft.com/office/powerpoint/2015/main" val="1"/>
+              </p:ext>
+            </p:extLst>
+          </p:nvPr>
+        </p:nvSpPr>
+        <p:spPr>
+          <a:xfrm>
+            <a:off x="817654" y="799817"/>
+            <a:ext cx="6565717" cy="5258367"/>
+          </a:xfrm>
+          <a:prstGeom prst="rect">
+            <a:avLst/>
+          </a:prstGeom>
+          <a:noFill/>
+          <a:ln w="12700">
+            <a:solidFill>
+              <a:srgbClr val="2A5B7F"/>
+            </a:solidFill>
+          </a:ln>
+        </p:spPr>
+        <p:style>
+          <a:lnRef idx="2">
+            <a:schemeClr val="accent1">
+              <a:shade val="50000"/>
+            </a:schemeClr>
+          </a:lnRef>
+          <a:fillRef idx="1">
+            <a:schemeClr val="accent1"/>
+          </a:fillRef>
+          <a:effectRef idx="0">
+            <a:schemeClr val="accent1"/>
+          </a:effectRef>
+          <a:fontRef idx="minor">
+            <a:schemeClr val="lt1"/>
+          </a:fontRef>
+        </p:style>
+        <p:txBody>
+          <a:bodyPr rtlCol="0" anchor="ctr"/>
+          <a:lstStyle/>
+          <a:p>
+            <a:pPr algn="ctr"/>
+            <a:endParaRPr lang="en-US"/>
+          </a:p>
+        </p:txBody>
+      </p:sp>
+    </p:spTree>
+    <p:extLst>
+      <p:ext uri="{BB962C8B-B14F-4D97-AF65-F5344CB8AC3E}">
+        <p14:creationId xmlns:p14="http://schemas.microsoft.com/office/powerpoint/2010/main" val="615764694"/>
+      </p:ext>
+    </p:extLst>
+  </p:cSld>
+  <p:clrMapOvr>
+    <a:overrideClrMapping bg1="lt1" tx1="dk1" bg2="lt2" tx2="dk2" accent1="accent1" accent2="accent2" accent3="accent3" accent4="accent4" accent5="accent5" accent6="accent6" hlink="hlink" folHlink="folHlink"/>
+  </p:clrMapOvr>
+</p:sld>
+</file>
+
+<file path=ppt/slides/slide8.xml><?xml version="1.0" encoding="utf-8"?>
 <p:sld xmlns:a="http://schemas.openxmlformats.org/drawingml/2006/main" xmlns:r="http://schemas.openxmlformats.org/officeDocument/2006/relationships" xmlns:p="http://schemas.openxmlformats.org/presentationml/2006/main">
   <p:cSld>
     <p:spTree>
@@ -18691,6 +19201,44 @@
           </a:p>
         </p:txBody>
       </p:sp>
+      <p:pic>
+        <p:nvPicPr>
+          <p:cNvPr id="4" name="ivan2">
+            <a:hlinkClick r:id="" action="ppaction://media"/>
+            <a:extLst>
+              <a:ext uri="{FF2B5EF4-FFF2-40B4-BE49-F238E27FC236}">
+                <a16:creationId xmlns:a16="http://schemas.microsoft.com/office/drawing/2014/main" id="{48C4705D-CF45-4F4F-9001-19DD835F09F0}"/>
+              </a:ext>
+            </a:extLst>
+          </p:cNvPr>
+          <p:cNvPicPr>
+            <a:picLocks noChangeAspect="1"/>
+          </p:cNvPicPr>
+          <p:nvPr>
+            <a:audioFile r:link="rId2"/>
+            <p:extLst>
+              <p:ext uri="{DAA4B4D4-6D71-4841-9C94-3DE7FCFB9230}">
+                <p14:media xmlns:p14="http://schemas.microsoft.com/office/powerpoint/2010/main" r:embed="rId1"/>
+              </p:ext>
+            </p:extLst>
+          </p:nvPr>
+        </p:nvPicPr>
+        <p:blipFill>
+          <a:blip r:embed="rId4"/>
+          <a:stretch>
+            <a:fillRect/>
+          </a:stretch>
+        </p:blipFill>
+        <p:spPr>
+          <a:xfrm>
+            <a:off x="164962" y="98701"/>
+            <a:ext cx="730250" cy="730250"/>
+          </a:xfrm>
+          <a:prstGeom prst="rect">
+            <a:avLst/>
+          </a:prstGeom>
+        </p:spPr>
+      </p:pic>
     </p:spTree>
     <p:extLst>
       <p:ext uri="{BB962C8B-B14F-4D97-AF65-F5344CB8AC3E}">
@@ -18701,6 +19249,93 @@
   <p:clrMapOvr>
     <a:masterClrMapping/>
   </p:clrMapOvr>
+  <p:timing>
+    <p:tnLst>
+      <p:par>
+        <p:cTn id="1" dur="indefinite" restart="never" nodeType="tmRoot">
+          <p:childTnLst>
+            <p:seq concurrent="1" nextAc="seek">
+              <p:cTn id="2" dur="indefinite" nodeType="mainSeq">
+                <p:childTnLst>
+                  <p:par>
+                    <p:cTn id="3" fill="hold">
+                      <p:stCondLst>
+                        <p:cond delay="indefinite"/>
+                        <p:cond evt="onBegin" delay="0">
+                          <p:tn val="2"/>
+                        </p:cond>
+                      </p:stCondLst>
+                      <p:childTnLst>
+                        <p:par>
+                          <p:cTn id="4" fill="hold">
+                            <p:stCondLst>
+                              <p:cond delay="0"/>
+                            </p:stCondLst>
+                            <p:childTnLst>
+                              <p:par>
+                                <p:cTn id="5" presetID="1" presetClass="mediacall" presetSubtype="0" fill="hold" nodeType="afterEffect">
+                                  <p:stCondLst>
+                                    <p:cond delay="0"/>
+                                  </p:stCondLst>
+                                  <p:childTnLst>
+                                    <p:cmd type="call" cmd="playFrom(0.0)">
+                                      <p:cBhvr>
+                                        <p:cTn id="6" dur="1" fill="hold"/>
+                                        <p:tgtEl>
+                                          <p:spTgt spid="4"/>
+                                        </p:tgtEl>
+                                      </p:cBhvr>
+                                    </p:cmd>
+                                  </p:childTnLst>
+                                </p:cTn>
+                              </p:par>
+                            </p:childTnLst>
+                          </p:cTn>
+                        </p:par>
+                      </p:childTnLst>
+                    </p:cTn>
+                  </p:par>
+                </p:childTnLst>
+              </p:cTn>
+              <p:prevCondLst>
+                <p:cond evt="onPrev" delay="0">
+                  <p:tgtEl>
+                    <p:sldTgt/>
+                  </p:tgtEl>
+                </p:cond>
+              </p:prevCondLst>
+              <p:nextCondLst>
+                <p:cond evt="onNext" delay="0">
+                  <p:tgtEl>
+                    <p:sldTgt/>
+                  </p:tgtEl>
+                </p:cond>
+              </p:nextCondLst>
+            </p:seq>
+            <p:audio>
+              <p:cMediaNode>
+                <p:cTn id="7" fill="hold" display="0">
+                  <p:stCondLst>
+                    <p:cond delay="indefinite"/>
+                  </p:stCondLst>
+                  <p:endCondLst>
+                    <p:cond evt="onStopAudio" delay="0">
+                      <p:tgtEl>
+                        <p:sldTgt/>
+                      </p:tgtEl>
+                    </p:cond>
+                  </p:endCondLst>
+                </p:cTn>
+                <p:tgtEl>
+                  <p:spTgt spid="4"/>
+                </p:tgtEl>
+              </p:cMediaNode>
+            </p:audio>
+          </p:childTnLst>
+        </p:cTn>
+      </p:par>
+    </p:tnLst>
+  </p:timing>
 </p:sld>
 </file>
 
